--- a/Skaidres/07_paskaita (Objektinis programavimas. 2 dalis).pptx
+++ b/Skaidres/07_paskaita (Objektinis programavimas. 2 dalis).pptx
@@ -6155,9 +6155,9 @@
         <p:grpSpPr>
           <a:xfrm>
             <a:off x="11078640" y="458640"/>
-            <a:ext cx="631440" cy="679320"/>
+            <a:ext cx="631080" cy="678960"/>
             <a:chOff x="11078640" y="458640"/>
-            <a:chExt cx="631440" cy="679320"/>
+            <a:chExt cx="631080" cy="678960"/>
           </a:xfrm>
         </p:grpSpPr>
         <p:sp>
@@ -6169,7 +6169,7 @@
           <p:spPr>
             <a:xfrm>
               <a:off x="11078640" y="458640"/>
-              <a:ext cx="631440" cy="679320"/>
+              <a:ext cx="631080" cy="678960"/>
             </a:xfrm>
             <a:custGeom>
               <a:avLst/>
@@ -6290,7 +6290,7 @@
           <p:spPr>
             <a:xfrm>
               <a:off x="11477160" y="873000"/>
-              <a:ext cx="52920" cy="52560"/>
+              <a:ext cx="52560" cy="52200"/>
             </a:xfrm>
             <a:custGeom>
               <a:avLst/>
@@ -6346,7 +6346,7 @@
           <p:spPr>
             <a:xfrm>
               <a:off x="11259360" y="873000"/>
-              <a:ext cx="52920" cy="52560"/>
+              <a:ext cx="52560" cy="52200"/>
             </a:xfrm>
             <a:custGeom>
               <a:avLst/>
@@ -6402,7 +6402,7 @@
           <p:spPr>
             <a:xfrm>
               <a:off x="11175120" y="546480"/>
-              <a:ext cx="438840" cy="433800"/>
+              <a:ext cx="438480" cy="433440"/>
             </a:xfrm>
             <a:custGeom>
               <a:avLst/>
@@ -6742,7 +6742,7 @@
         <p:spPr>
           <a:xfrm>
             <a:off x="475200" y="458640"/>
-            <a:ext cx="2332800" cy="681480"/>
+            <a:ext cx="2332440" cy="681120"/>
           </a:xfrm>
           <a:prstGeom prst="rect">
             <a:avLst/>
@@ -7031,9 +7031,9 @@
         <p:grpSpPr>
           <a:xfrm>
             <a:off x="11078640" y="458640"/>
-            <a:ext cx="631440" cy="679320"/>
+            <a:ext cx="631080" cy="678960"/>
             <a:chOff x="11078640" y="458640"/>
-            <a:chExt cx="631440" cy="679320"/>
+            <a:chExt cx="631080" cy="678960"/>
           </a:xfrm>
         </p:grpSpPr>
         <p:sp>
@@ -7045,7 +7045,7 @@
           <p:spPr>
             <a:xfrm>
               <a:off x="11078640" y="458640"/>
-              <a:ext cx="631440" cy="679320"/>
+              <a:ext cx="631080" cy="678960"/>
             </a:xfrm>
             <a:custGeom>
               <a:avLst/>
@@ -7166,7 +7166,7 @@
           <p:spPr>
             <a:xfrm>
               <a:off x="11477160" y="873000"/>
-              <a:ext cx="52920" cy="52560"/>
+              <a:ext cx="52560" cy="52200"/>
             </a:xfrm>
             <a:custGeom>
               <a:avLst/>
@@ -7222,7 +7222,7 @@
           <p:spPr>
             <a:xfrm>
               <a:off x="11259360" y="873000"/>
-              <a:ext cx="52920" cy="52560"/>
+              <a:ext cx="52560" cy="52200"/>
             </a:xfrm>
             <a:custGeom>
               <a:avLst/>
@@ -7278,7 +7278,7 @@
           <p:spPr>
             <a:xfrm>
               <a:off x="11175120" y="546480"/>
-              <a:ext cx="438840" cy="433800"/>
+              <a:ext cx="438480" cy="433440"/>
             </a:xfrm>
             <a:custGeom>
               <a:avLst/>
@@ -7884,9 +7884,9 @@
         <p:grpSpPr>
           <a:xfrm>
             <a:off x="11078640" y="458640"/>
-            <a:ext cx="631440" cy="679320"/>
+            <a:ext cx="631080" cy="678960"/>
             <a:chOff x="11078640" y="458640"/>
-            <a:chExt cx="631440" cy="679320"/>
+            <a:chExt cx="631080" cy="678960"/>
           </a:xfrm>
         </p:grpSpPr>
         <p:sp>
@@ -7898,7 +7898,7 @@
           <p:spPr>
             <a:xfrm>
               <a:off x="11078640" y="458640"/>
-              <a:ext cx="631440" cy="679320"/>
+              <a:ext cx="631080" cy="678960"/>
             </a:xfrm>
             <a:custGeom>
               <a:avLst/>
@@ -8019,7 +8019,7 @@
           <p:spPr>
             <a:xfrm>
               <a:off x="11477160" y="873000"/>
-              <a:ext cx="52920" cy="52560"/>
+              <a:ext cx="52560" cy="52200"/>
             </a:xfrm>
             <a:custGeom>
               <a:avLst/>
@@ -8075,7 +8075,7 @@
           <p:spPr>
             <a:xfrm>
               <a:off x="11259360" y="873000"/>
-              <a:ext cx="52920" cy="52560"/>
+              <a:ext cx="52560" cy="52200"/>
             </a:xfrm>
             <a:custGeom>
               <a:avLst/>
@@ -8131,7 +8131,7 @@
           <p:spPr>
             <a:xfrm>
               <a:off x="11175120" y="546480"/>
-              <a:ext cx="438840" cy="433800"/>
+              <a:ext cx="438480" cy="433440"/>
             </a:xfrm>
             <a:custGeom>
               <a:avLst/>
@@ -8467,7 +8467,7 @@
         <p:spPr>
           <a:xfrm>
             <a:off x="-159120" y="-119160"/>
-            <a:ext cx="6253560" cy="7380000"/>
+            <a:ext cx="6253200" cy="7379640"/>
           </a:xfrm>
           <a:custGeom>
             <a:avLst/>
@@ -8523,9 +8523,9 @@
         <p:grpSpPr>
           <a:xfrm>
             <a:off x="11078640" y="458640"/>
-            <a:ext cx="631440" cy="679320"/>
+            <a:ext cx="631080" cy="678960"/>
             <a:chOff x="11078640" y="458640"/>
-            <a:chExt cx="631440" cy="679320"/>
+            <a:chExt cx="631080" cy="678960"/>
           </a:xfrm>
         </p:grpSpPr>
         <p:sp>
@@ -8537,7 +8537,7 @@
           <p:spPr>
             <a:xfrm>
               <a:off x="11078640" y="458640"/>
-              <a:ext cx="631440" cy="679320"/>
+              <a:ext cx="631080" cy="678960"/>
             </a:xfrm>
             <a:custGeom>
               <a:avLst/>
@@ -8658,7 +8658,7 @@
           <p:spPr>
             <a:xfrm>
               <a:off x="11477160" y="873000"/>
-              <a:ext cx="52920" cy="52560"/>
+              <a:ext cx="52560" cy="52200"/>
             </a:xfrm>
             <a:custGeom>
               <a:avLst/>
@@ -8714,7 +8714,7 @@
           <p:spPr>
             <a:xfrm>
               <a:off x="11259360" y="873000"/>
-              <a:ext cx="52920" cy="52560"/>
+              <a:ext cx="52560" cy="52200"/>
             </a:xfrm>
             <a:custGeom>
               <a:avLst/>
@@ -8770,7 +8770,7 @@
           <p:spPr>
             <a:xfrm>
               <a:off x="11175120" y="546480"/>
-              <a:ext cx="438840" cy="433800"/>
+              <a:ext cx="438480" cy="433440"/>
             </a:xfrm>
             <a:custGeom>
               <a:avLst/>
@@ -9376,9 +9376,9 @@
         <p:grpSpPr>
           <a:xfrm>
             <a:off x="11078640" y="458640"/>
-            <a:ext cx="631440" cy="679320"/>
+            <a:ext cx="631080" cy="678960"/>
             <a:chOff x="11078640" y="458640"/>
-            <a:chExt cx="631440" cy="679320"/>
+            <a:chExt cx="631080" cy="678960"/>
           </a:xfrm>
         </p:grpSpPr>
         <p:sp>
@@ -9390,7 +9390,7 @@
           <p:spPr>
             <a:xfrm>
               <a:off x="11078640" y="458640"/>
-              <a:ext cx="631440" cy="679320"/>
+              <a:ext cx="631080" cy="678960"/>
             </a:xfrm>
             <a:custGeom>
               <a:avLst/>
@@ -9511,7 +9511,7 @@
           <p:spPr>
             <a:xfrm>
               <a:off x="11477160" y="873000"/>
-              <a:ext cx="52920" cy="52560"/>
+              <a:ext cx="52560" cy="52200"/>
             </a:xfrm>
             <a:custGeom>
               <a:avLst/>
@@ -9567,7 +9567,7 @@
           <p:spPr>
             <a:xfrm>
               <a:off x="11259360" y="873000"/>
-              <a:ext cx="52920" cy="52560"/>
+              <a:ext cx="52560" cy="52200"/>
             </a:xfrm>
             <a:custGeom>
               <a:avLst/>
@@ -9623,7 +9623,7 @@
           <p:spPr>
             <a:xfrm>
               <a:off x="11175120" y="546480"/>
-              <a:ext cx="438840" cy="433800"/>
+              <a:ext cx="438480" cy="433440"/>
             </a:xfrm>
             <a:custGeom>
               <a:avLst/>
@@ -9959,9 +9959,9 @@
         <p:grpSpPr>
           <a:xfrm>
             <a:off x="11078640" y="458640"/>
-            <a:ext cx="631440" cy="679320"/>
+            <a:ext cx="631080" cy="678960"/>
             <a:chOff x="11078640" y="458640"/>
-            <a:chExt cx="631440" cy="679320"/>
+            <a:chExt cx="631080" cy="678960"/>
           </a:xfrm>
         </p:grpSpPr>
         <p:sp>
@@ -9973,7 +9973,7 @@
           <p:spPr>
             <a:xfrm>
               <a:off x="11220120" y="846720"/>
-              <a:ext cx="131400" cy="105480"/>
+              <a:ext cx="131040" cy="105120"/>
             </a:xfrm>
             <a:custGeom>
               <a:avLst/>
@@ -10065,7 +10065,7 @@
           <p:spPr>
             <a:xfrm>
               <a:off x="11216880" y="710280"/>
-              <a:ext cx="355680" cy="122040"/>
+              <a:ext cx="355320" cy="121680"/>
             </a:xfrm>
             <a:custGeom>
               <a:avLst/>
@@ -10197,7 +10197,7 @@
           <p:spPr>
             <a:xfrm>
               <a:off x="11437560" y="846720"/>
-              <a:ext cx="131400" cy="105480"/>
+              <a:ext cx="131040" cy="105120"/>
             </a:xfrm>
             <a:custGeom>
               <a:avLst/>
@@ -10289,7 +10289,7 @@
           <p:spPr>
             <a:xfrm>
               <a:off x="11078640" y="458640"/>
-              <a:ext cx="631440" cy="679320"/>
+              <a:ext cx="631080" cy="678960"/>
             </a:xfrm>
             <a:custGeom>
               <a:avLst/>
@@ -10765,7 +10765,7 @@
         <p:spPr>
           <a:xfrm>
             <a:off x="3273120" y="2618280"/>
-            <a:ext cx="7048800" cy="2386080"/>
+            <a:ext cx="7048440" cy="2385720"/>
           </a:xfrm>
           <a:prstGeom prst="rect">
             <a:avLst/>
@@ -10800,7 +10800,7 @@
                 <a:latin typeface="Arial"/>
                 <a:ea typeface="Arial"/>
               </a:rPr>
-              <a:t>6 paskaita.</a:t>
+              <a:t>7 paskaita.</a:t>
             </a:r>
             <a:br>
               <a:rPr sz="1800"/>
@@ -10830,7 +10830,7 @@
         <p:spPr>
           <a:xfrm>
             <a:off x="3273120" y="5916960"/>
-            <a:ext cx="7048800" cy="926280"/>
+            <a:ext cx="7048440" cy="925920"/>
           </a:xfrm>
           <a:prstGeom prst="rect">
             <a:avLst/>
@@ -10885,7 +10885,7 @@
         <p:spPr>
           <a:xfrm>
             <a:off x="495720" y="5930280"/>
-            <a:ext cx="2266200" cy="333000"/>
+            <a:ext cx="2265840" cy="333000"/>
           </a:xfrm>
           <a:prstGeom prst="rect">
             <a:avLst/>
@@ -10941,7 +10941,7 @@
         <p:spPr>
           <a:xfrm>
             <a:off x="14449320" y="-1709640"/>
-            <a:ext cx="1833840" cy="1833840"/>
+            <a:ext cx="1833480" cy="1833480"/>
           </a:xfrm>
           <a:prstGeom prst="rect">
             <a:avLst/>
@@ -10960,9 +10960,9 @@
         <p:grpSpPr>
           <a:xfrm>
             <a:off x="9866160" y="2715120"/>
-            <a:ext cx="1833840" cy="462960"/>
+            <a:ext cx="1833480" cy="462600"/>
             <a:chOff x="9866160" y="2715120"/>
-            <a:chExt cx="1833840" cy="462960"/>
+            <a:chExt cx="1833480" cy="462600"/>
           </a:xfrm>
         </p:grpSpPr>
         <p:sp>
@@ -10974,7 +10974,7 @@
           <p:spPr>
             <a:xfrm>
               <a:off x="9866160" y="2715120"/>
-              <a:ext cx="1833840" cy="462960"/>
+              <a:ext cx="1833480" cy="462600"/>
             </a:xfrm>
             <a:prstGeom prst="roundRect">
               <a:avLst>
@@ -11004,7 +11004,7 @@
           <p:spPr>
             <a:xfrm>
               <a:off x="9979920" y="2779920"/>
-              <a:ext cx="1606320" cy="333000"/>
+              <a:ext cx="1605960" cy="332640"/>
             </a:xfrm>
             <a:prstGeom prst="rect">
               <a:avLst/>
@@ -11061,7 +11061,7 @@
         <p:spPr>
           <a:xfrm>
             <a:off x="9920160" y="406080"/>
-            <a:ext cx="1951200" cy="1951200"/>
+            <a:ext cx="1950840" cy="1950840"/>
           </a:xfrm>
           <a:prstGeom prst="rect">
             <a:avLst/>
@@ -11110,7 +11110,7 @@
         <p:spPr>
           <a:xfrm>
             <a:off x="480240" y="460800"/>
-            <a:ext cx="5614200" cy="452160"/>
+            <a:ext cx="5613840" cy="451800"/>
           </a:xfrm>
           <a:prstGeom prst="rect">
             <a:avLst/>
@@ -11176,9 +11176,9 @@
         <p:grpSpPr>
           <a:xfrm>
             <a:off x="479880" y="898200"/>
-            <a:ext cx="1833840" cy="462960"/>
+            <a:ext cx="1833480" cy="462600"/>
             <a:chOff x="479880" y="898200"/>
-            <a:chExt cx="1833840" cy="462960"/>
+            <a:chExt cx="1833480" cy="462600"/>
           </a:xfrm>
         </p:grpSpPr>
         <p:sp>
@@ -11190,7 +11190,7 @@
           <p:spPr>
             <a:xfrm>
               <a:off x="479880" y="898200"/>
-              <a:ext cx="1833840" cy="462960"/>
+              <a:ext cx="1833480" cy="462600"/>
             </a:xfrm>
             <a:prstGeom prst="roundRect">
               <a:avLst>
@@ -11220,7 +11220,7 @@
           <p:spPr>
             <a:xfrm>
               <a:off x="593640" y="962640"/>
-              <a:ext cx="1606320" cy="333360"/>
+              <a:ext cx="1605960" cy="333000"/>
             </a:xfrm>
             <a:prstGeom prst="rect">
               <a:avLst/>
@@ -11277,7 +11277,7 @@
         <p:spPr>
           <a:xfrm>
             <a:off x="480240" y="1441440"/>
-            <a:ext cx="11230560" cy="5226840"/>
+            <a:ext cx="11230200" cy="5226480"/>
           </a:xfrm>
           <a:prstGeom prst="rect">
             <a:avLst/>
@@ -11296,7 +11296,7 @@
         <p:spPr>
           <a:xfrm>
             <a:off x="594000" y="1832400"/>
-            <a:ext cx="10717920" cy="4563360"/>
+            <a:ext cx="10717560" cy="4563000"/>
           </a:xfrm>
           <a:prstGeom prst="rect">
             <a:avLst/>
@@ -11653,7 +11653,7 @@
         <p:spPr>
           <a:xfrm>
             <a:off x="480240" y="460800"/>
-            <a:ext cx="5614200" cy="452160"/>
+            <a:ext cx="5613840" cy="451800"/>
           </a:xfrm>
           <a:prstGeom prst="rect">
             <a:avLst/>
@@ -11719,9 +11719,9 @@
         <p:grpSpPr>
           <a:xfrm>
             <a:off x="479880" y="898200"/>
-            <a:ext cx="1833840" cy="462960"/>
+            <a:ext cx="1833480" cy="462600"/>
             <a:chOff x="479880" y="898200"/>
-            <a:chExt cx="1833840" cy="462960"/>
+            <a:chExt cx="1833480" cy="462600"/>
           </a:xfrm>
         </p:grpSpPr>
         <p:sp>
@@ -11733,7 +11733,7 @@
           <p:spPr>
             <a:xfrm>
               <a:off x="479880" y="898200"/>
-              <a:ext cx="1833840" cy="462960"/>
+              <a:ext cx="1833480" cy="462600"/>
             </a:xfrm>
             <a:prstGeom prst="roundRect">
               <a:avLst>
@@ -11763,7 +11763,7 @@
           <p:spPr>
             <a:xfrm>
               <a:off x="593640" y="962640"/>
-              <a:ext cx="1606320" cy="333360"/>
+              <a:ext cx="1605960" cy="333000"/>
             </a:xfrm>
             <a:prstGeom prst="rect">
               <a:avLst/>
@@ -11820,7 +11820,7 @@
         <p:spPr>
           <a:xfrm>
             <a:off x="480240" y="1441440"/>
-            <a:ext cx="11230560" cy="5226840"/>
+            <a:ext cx="11230200" cy="5226480"/>
           </a:xfrm>
           <a:prstGeom prst="rect">
             <a:avLst/>
@@ -11839,7 +11839,7 @@
         <p:spPr>
           <a:xfrm>
             <a:off x="594000" y="1832400"/>
-            <a:ext cx="10717920" cy="4563360"/>
+            <a:ext cx="10717560" cy="4563000"/>
           </a:xfrm>
           <a:prstGeom prst="rect">
             <a:avLst/>
@@ -12392,7 +12392,7 @@
         <p:spPr>
           <a:xfrm>
             <a:off x="480240" y="460800"/>
-            <a:ext cx="5614200" cy="452160"/>
+            <a:ext cx="5613840" cy="451800"/>
           </a:xfrm>
           <a:prstGeom prst="rect">
             <a:avLst/>
@@ -12461,9 +12461,9 @@
         <p:grpSpPr>
           <a:xfrm>
             <a:off x="480240" y="914400"/>
-            <a:ext cx="1833840" cy="462960"/>
+            <a:ext cx="1833480" cy="462600"/>
             <a:chOff x="480240" y="914400"/>
-            <a:chExt cx="1833840" cy="462960"/>
+            <a:chExt cx="1833480" cy="462600"/>
           </a:xfrm>
         </p:grpSpPr>
         <p:sp>
@@ -12475,7 +12475,7 @@
           <p:spPr>
             <a:xfrm>
               <a:off x="480240" y="914400"/>
-              <a:ext cx="1833840" cy="462960"/>
+              <a:ext cx="1833480" cy="462600"/>
             </a:xfrm>
             <a:prstGeom prst="roundRect">
               <a:avLst>
@@ -12505,7 +12505,7 @@
           <p:spPr>
             <a:xfrm>
               <a:off x="594000" y="978840"/>
-              <a:ext cx="1606320" cy="333360"/>
+              <a:ext cx="1605960" cy="333000"/>
             </a:xfrm>
             <a:prstGeom prst="rect">
               <a:avLst/>
@@ -12562,7 +12562,7 @@
         <p:spPr>
           <a:xfrm>
             <a:off x="479880" y="1441440"/>
-            <a:ext cx="11230560" cy="5226840"/>
+            <a:ext cx="11230200" cy="5226480"/>
           </a:xfrm>
           <a:prstGeom prst="rect">
             <a:avLst/>
@@ -12581,7 +12581,7 @@
         <p:spPr>
           <a:xfrm>
             <a:off x="594000" y="1832400"/>
-            <a:ext cx="10717920" cy="4563360"/>
+            <a:ext cx="10717560" cy="4563000"/>
           </a:xfrm>
           <a:prstGeom prst="rect">
             <a:avLst/>
@@ -12666,7 +12666,7 @@
         <p:spPr>
           <a:xfrm>
             <a:off x="480240" y="460800"/>
-            <a:ext cx="5614200" cy="452160"/>
+            <a:ext cx="5613840" cy="451800"/>
           </a:xfrm>
           <a:prstGeom prst="rect">
             <a:avLst/>
@@ -12721,7 +12721,7 @@
         <p:spPr>
           <a:xfrm>
             <a:off x="480240" y="1371600"/>
-            <a:ext cx="5152320" cy="1363680"/>
+            <a:ext cx="5151960" cy="1363320"/>
           </a:xfrm>
           <a:prstGeom prst="rect">
             <a:avLst/>
@@ -12773,7 +12773,7 @@
         <p:spPr>
           <a:xfrm>
             <a:off x="1398600" y="3329280"/>
-            <a:ext cx="4234320" cy="458280"/>
+            <a:ext cx="4233960" cy="457920"/>
           </a:xfrm>
           <a:prstGeom prst="rect">
             <a:avLst/>
@@ -12828,7 +12828,7 @@
         <p:spPr>
           <a:xfrm>
             <a:off x="1398600" y="4563720"/>
-            <a:ext cx="4234320" cy="342360"/>
+            <a:ext cx="4233960" cy="342000"/>
           </a:xfrm>
           <a:prstGeom prst="rect">
             <a:avLst/>
@@ -12883,9 +12883,9 @@
         <p:grpSpPr>
           <a:xfrm>
             <a:off x="480240" y="3180600"/>
-            <a:ext cx="730080" cy="730080"/>
+            <a:ext cx="729720" cy="729720"/>
             <a:chOff x="480240" y="3180600"/>
-            <a:chExt cx="730080" cy="730080"/>
+            <a:chExt cx="729720" cy="729720"/>
           </a:xfrm>
         </p:grpSpPr>
         <p:sp>
@@ -12897,7 +12897,7 @@
           <p:spPr>
             <a:xfrm>
               <a:off x="480240" y="3180600"/>
-              <a:ext cx="730080" cy="730080"/>
+              <a:ext cx="729720" cy="729720"/>
             </a:xfrm>
             <a:prstGeom prst="ellipse">
               <a:avLst/>
@@ -12925,7 +12925,7 @@
           <p:spPr>
             <a:xfrm>
               <a:off x="633240" y="3348000"/>
-              <a:ext cx="424440" cy="394560"/>
+              <a:ext cx="424080" cy="394200"/>
             </a:xfrm>
             <a:prstGeom prst="rect">
               <a:avLst/>
@@ -12978,9 +12978,9 @@
         <p:grpSpPr>
           <a:xfrm>
             <a:off x="480240" y="4369680"/>
-            <a:ext cx="730080" cy="730080"/>
+            <a:ext cx="729720" cy="729720"/>
             <a:chOff x="480240" y="4369680"/>
-            <a:chExt cx="730080" cy="730080"/>
+            <a:chExt cx="729720" cy="729720"/>
           </a:xfrm>
         </p:grpSpPr>
         <p:sp>
@@ -12992,7 +12992,7 @@
           <p:spPr>
             <a:xfrm>
               <a:off x="480240" y="4369680"/>
-              <a:ext cx="730080" cy="730080"/>
+              <a:ext cx="729720" cy="729720"/>
             </a:xfrm>
             <a:prstGeom prst="ellipse">
               <a:avLst/>
@@ -13020,7 +13020,7 @@
           <p:spPr>
             <a:xfrm>
               <a:off x="633240" y="4537440"/>
-              <a:ext cx="424440" cy="394560"/>
+              <a:ext cx="424080" cy="394200"/>
             </a:xfrm>
             <a:prstGeom prst="rect">
               <a:avLst/>
@@ -13103,7 +13103,7 @@
         <p:spPr>
           <a:xfrm>
             <a:off x="480240" y="460800"/>
-            <a:ext cx="5614200" cy="452160"/>
+            <a:ext cx="5613840" cy="451800"/>
           </a:xfrm>
           <a:prstGeom prst="rect">
             <a:avLst/>
@@ -13158,7 +13158,7 @@
         <p:spPr>
           <a:xfrm>
             <a:off x="480240" y="1371600"/>
-            <a:ext cx="5152320" cy="1363680"/>
+            <a:ext cx="5151960" cy="1363320"/>
           </a:xfrm>
           <a:prstGeom prst="rect">
             <a:avLst/>
@@ -13210,7 +13210,7 @@
         <p:spPr>
           <a:xfrm>
             <a:off x="1398600" y="3329280"/>
-            <a:ext cx="4234320" cy="458280"/>
+            <a:ext cx="4233960" cy="457920"/>
           </a:xfrm>
           <a:prstGeom prst="rect">
             <a:avLst/>
@@ -13265,7 +13265,7 @@
         <p:spPr>
           <a:xfrm>
             <a:off x="1398600" y="4563720"/>
-            <a:ext cx="4234320" cy="342360"/>
+            <a:ext cx="4233960" cy="342000"/>
           </a:xfrm>
           <a:prstGeom prst="rect">
             <a:avLst/>
@@ -13320,7 +13320,7 @@
         <p:spPr>
           <a:xfrm>
             <a:off x="1398600" y="5697000"/>
-            <a:ext cx="4455360" cy="523440"/>
+            <a:ext cx="4455000" cy="523080"/>
           </a:xfrm>
           <a:prstGeom prst="rect">
             <a:avLst/>
@@ -13375,9 +13375,9 @@
         <p:grpSpPr>
           <a:xfrm>
             <a:off x="480240" y="3180600"/>
-            <a:ext cx="730080" cy="730080"/>
+            <a:ext cx="729720" cy="729720"/>
             <a:chOff x="480240" y="3180600"/>
-            <a:chExt cx="730080" cy="730080"/>
+            <a:chExt cx="729720" cy="729720"/>
           </a:xfrm>
         </p:grpSpPr>
         <p:sp>
@@ -13389,7 +13389,7 @@
           <p:spPr>
             <a:xfrm>
               <a:off x="480240" y="3180600"/>
-              <a:ext cx="730080" cy="730080"/>
+              <a:ext cx="729720" cy="729720"/>
             </a:xfrm>
             <a:prstGeom prst="ellipse">
               <a:avLst/>
@@ -13417,7 +13417,7 @@
           <p:spPr>
             <a:xfrm>
               <a:off x="633240" y="3348000"/>
-              <a:ext cx="424440" cy="394560"/>
+              <a:ext cx="424080" cy="394200"/>
             </a:xfrm>
             <a:prstGeom prst="rect">
               <a:avLst/>
@@ -13470,9 +13470,9 @@
         <p:grpSpPr>
           <a:xfrm>
             <a:off x="480240" y="4369680"/>
-            <a:ext cx="730080" cy="730080"/>
+            <a:ext cx="729720" cy="729720"/>
             <a:chOff x="480240" y="4369680"/>
-            <a:chExt cx="730080" cy="730080"/>
+            <a:chExt cx="729720" cy="729720"/>
           </a:xfrm>
         </p:grpSpPr>
         <p:sp>
@@ -13484,7 +13484,7 @@
           <p:spPr>
             <a:xfrm>
               <a:off x="480240" y="4369680"/>
-              <a:ext cx="730080" cy="730080"/>
+              <a:ext cx="729720" cy="729720"/>
             </a:xfrm>
             <a:prstGeom prst="ellipse">
               <a:avLst/>
@@ -13512,7 +13512,7 @@
           <p:spPr>
             <a:xfrm>
               <a:off x="633240" y="4537440"/>
-              <a:ext cx="424440" cy="394560"/>
+              <a:ext cx="424080" cy="394200"/>
             </a:xfrm>
             <a:prstGeom prst="rect">
               <a:avLst/>
@@ -13565,9 +13565,9 @@
         <p:grpSpPr>
           <a:xfrm>
             <a:off x="480240" y="5496840"/>
-            <a:ext cx="730080" cy="730080"/>
+            <a:ext cx="729720" cy="729720"/>
             <a:chOff x="480240" y="5496840"/>
-            <a:chExt cx="730080" cy="730080"/>
+            <a:chExt cx="729720" cy="729720"/>
           </a:xfrm>
         </p:grpSpPr>
         <p:sp>
@@ -13579,7 +13579,7 @@
           <p:spPr>
             <a:xfrm>
               <a:off x="480240" y="5496840"/>
-              <a:ext cx="730080" cy="730080"/>
+              <a:ext cx="729720" cy="729720"/>
             </a:xfrm>
             <a:prstGeom prst="ellipse">
               <a:avLst/>
@@ -13607,7 +13607,7 @@
           <p:spPr>
             <a:xfrm>
               <a:off x="633240" y="5664600"/>
-              <a:ext cx="424440" cy="394560"/>
+              <a:ext cx="424080" cy="394200"/>
             </a:xfrm>
             <a:prstGeom prst="rect">
               <a:avLst/>
@@ -13660,7 +13660,7 @@
         <p:spPr>
           <a:xfrm>
             <a:off x="7638480" y="3357000"/>
-            <a:ext cx="4455360" cy="396720"/>
+            <a:ext cx="4455000" cy="396360"/>
           </a:xfrm>
           <a:prstGeom prst="rect">
             <a:avLst/>
@@ -13715,9 +13715,9 @@
         <p:grpSpPr>
           <a:xfrm>
             <a:off x="6720120" y="3182400"/>
-            <a:ext cx="730080" cy="730080"/>
+            <a:ext cx="729720" cy="729720"/>
             <a:chOff x="6720120" y="3182400"/>
-            <a:chExt cx="730080" cy="730080"/>
+            <a:chExt cx="729720" cy="729720"/>
           </a:xfrm>
         </p:grpSpPr>
         <p:sp>
@@ -13729,7 +13729,7 @@
           <p:spPr>
             <a:xfrm>
               <a:off x="6720120" y="3182400"/>
-              <a:ext cx="730080" cy="730080"/>
+              <a:ext cx="729720" cy="729720"/>
             </a:xfrm>
             <a:prstGeom prst="ellipse">
               <a:avLst/>
@@ -13757,7 +13757,7 @@
           <p:spPr>
             <a:xfrm>
               <a:off x="6873120" y="3349440"/>
-              <a:ext cx="424440" cy="395280"/>
+              <a:ext cx="424080" cy="394920"/>
             </a:xfrm>
             <a:prstGeom prst="rect">
               <a:avLst/>
@@ -13840,7 +13840,7 @@
         <p:spPr>
           <a:xfrm>
             <a:off x="480240" y="460800"/>
-            <a:ext cx="5614200" cy="452160"/>
+            <a:ext cx="5613840" cy="451800"/>
           </a:xfrm>
           <a:prstGeom prst="rect">
             <a:avLst/>
@@ -13895,7 +13895,7 @@
         <p:spPr>
           <a:xfrm>
             <a:off x="6246720" y="1527480"/>
-            <a:ext cx="5702760" cy="720000"/>
+            <a:ext cx="5702400" cy="719640"/>
           </a:xfrm>
           <a:prstGeom prst="rect">
             <a:avLst/>
@@ -13969,7 +13969,7 @@
         <p:spPr>
           <a:xfrm>
             <a:off x="6249600" y="2348280"/>
-            <a:ext cx="5497200" cy="4217040"/>
+            <a:ext cx="5496840" cy="4216680"/>
           </a:xfrm>
           <a:prstGeom prst="rect">
             <a:avLst/>
@@ -14050,7 +14050,7 @@
         <p:spPr>
           <a:xfrm>
             <a:off x="1115640" y="917640"/>
-            <a:ext cx="2972520" cy="3138840"/>
+            <a:ext cx="2972160" cy="3138480"/>
           </a:xfrm>
           <a:prstGeom prst="rect">
             <a:avLst/>
@@ -14073,7 +14073,7 @@
         <p:spPr>
           <a:xfrm>
             <a:off x="1115640" y="4219920"/>
-            <a:ext cx="2972520" cy="2443320"/>
+            <a:ext cx="2972160" cy="2442960"/>
           </a:xfrm>
           <a:prstGeom prst="rect">
             <a:avLst/>
@@ -14122,7 +14122,7 @@
         <p:spPr>
           <a:xfrm>
             <a:off x="480240" y="460800"/>
-            <a:ext cx="5614200" cy="452160"/>
+            <a:ext cx="5613840" cy="451800"/>
           </a:xfrm>
           <a:prstGeom prst="rect">
             <a:avLst/>
@@ -14177,7 +14177,7 @@
         <p:spPr>
           <a:xfrm>
             <a:off x="6103080" y="1527480"/>
-            <a:ext cx="5846400" cy="820440"/>
+            <a:ext cx="5846040" cy="820080"/>
           </a:xfrm>
           <a:prstGeom prst="rect">
             <a:avLst/>
@@ -14251,7 +14251,7 @@
         <p:spPr>
           <a:xfrm>
             <a:off x="6249600" y="2348280"/>
-            <a:ext cx="5497200" cy="4217040"/>
+            <a:ext cx="5496840" cy="4216680"/>
           </a:xfrm>
           <a:prstGeom prst="rect">
             <a:avLst/>
@@ -14353,7 +14353,7 @@
         <p:spPr>
           <a:xfrm>
             <a:off x="756360" y="1278360"/>
-            <a:ext cx="4223520" cy="5120280"/>
+            <a:ext cx="4223160" cy="5119920"/>
           </a:xfrm>
           <a:prstGeom prst="rect">
             <a:avLst/>
@@ -14402,7 +14402,7 @@
         <p:spPr>
           <a:xfrm>
             <a:off x="480240" y="460800"/>
-            <a:ext cx="5614200" cy="452160"/>
+            <a:ext cx="5613840" cy="451800"/>
           </a:xfrm>
           <a:prstGeom prst="rect">
             <a:avLst/>
@@ -14457,7 +14457,7 @@
         <p:spPr>
           <a:xfrm>
             <a:off x="6175080" y="3281760"/>
-            <a:ext cx="5846400" cy="1524960"/>
+            <a:ext cx="5846040" cy="1524600"/>
           </a:xfrm>
           <a:prstGeom prst="rect">
             <a:avLst/>
@@ -14535,7 +14535,7 @@
         <p:spPr>
           <a:xfrm>
             <a:off x="641160" y="1388880"/>
-            <a:ext cx="4510800" cy="4913640"/>
+            <a:ext cx="4510440" cy="4913280"/>
           </a:xfrm>
           <a:prstGeom prst="rect">
             <a:avLst/>
@@ -14584,7 +14584,7 @@
         <p:spPr>
           <a:xfrm>
             <a:off x="480240" y="460800"/>
-            <a:ext cx="5614200" cy="452160"/>
+            <a:ext cx="5613840" cy="451800"/>
           </a:xfrm>
           <a:prstGeom prst="rect">
             <a:avLst/>
@@ -14639,7 +14639,7 @@
         <p:spPr>
           <a:xfrm>
             <a:off x="6175080" y="3281760"/>
-            <a:ext cx="5846400" cy="1524960"/>
+            <a:ext cx="5846040" cy="1524600"/>
           </a:xfrm>
           <a:prstGeom prst="rect">
             <a:avLst/>
@@ -14728,7 +14728,7 @@
         <p:spPr>
           <a:xfrm>
             <a:off x="540720" y="1973160"/>
-            <a:ext cx="4841640" cy="3586680"/>
+            <a:ext cx="4841280" cy="3586320"/>
           </a:xfrm>
           <a:prstGeom prst="rect">
             <a:avLst/>
@@ -14777,7 +14777,7 @@
         <p:spPr>
           <a:xfrm>
             <a:off x="480240" y="460800"/>
-            <a:ext cx="5614200" cy="452160"/>
+            <a:ext cx="5613840" cy="451800"/>
           </a:xfrm>
           <a:prstGeom prst="rect">
             <a:avLst/>
@@ -14832,7 +14832,7 @@
         <p:spPr>
           <a:xfrm>
             <a:off x="6175080" y="3281760"/>
-            <a:ext cx="5846400" cy="1524960"/>
+            <a:ext cx="5846040" cy="1524600"/>
           </a:xfrm>
           <a:prstGeom prst="rect">
             <a:avLst/>
@@ -14932,7 +14932,7 @@
         <p:spPr>
           <a:xfrm>
             <a:off x="1230840" y="1127160"/>
-            <a:ext cx="3389400" cy="5135040"/>
+            <a:ext cx="3389040" cy="5134680"/>
           </a:xfrm>
           <a:prstGeom prst="rect">
             <a:avLst/>
@@ -14981,7 +14981,7 @@
         <p:spPr>
           <a:xfrm>
             <a:off x="480240" y="460800"/>
-            <a:ext cx="5614200" cy="452160"/>
+            <a:ext cx="5613840" cy="451800"/>
           </a:xfrm>
           <a:prstGeom prst="rect">
             <a:avLst/>
@@ -15047,9 +15047,9 @@
         <p:grpSpPr>
           <a:xfrm>
             <a:off x="479880" y="898200"/>
-            <a:ext cx="1833840" cy="462960"/>
+            <a:ext cx="1833480" cy="462600"/>
             <a:chOff x="479880" y="898200"/>
-            <a:chExt cx="1833840" cy="462960"/>
+            <a:chExt cx="1833480" cy="462600"/>
           </a:xfrm>
         </p:grpSpPr>
         <p:sp>
@@ -15061,7 +15061,7 @@
           <p:spPr>
             <a:xfrm>
               <a:off x="479880" y="898200"/>
-              <a:ext cx="1833840" cy="462960"/>
+              <a:ext cx="1833480" cy="462600"/>
             </a:xfrm>
             <a:prstGeom prst="roundRect">
               <a:avLst>
@@ -15091,7 +15091,7 @@
           <p:spPr>
             <a:xfrm>
               <a:off x="593640" y="962640"/>
-              <a:ext cx="1606320" cy="333360"/>
+              <a:ext cx="1605960" cy="333000"/>
             </a:xfrm>
             <a:prstGeom prst="rect">
               <a:avLst/>
@@ -15148,7 +15148,7 @@
         <p:spPr>
           <a:xfrm>
             <a:off x="480240" y="1441440"/>
-            <a:ext cx="11230560" cy="5226840"/>
+            <a:ext cx="11230200" cy="5226480"/>
           </a:xfrm>
           <a:prstGeom prst="rect">
             <a:avLst/>
@@ -15167,7 +15167,7 @@
         <p:spPr>
           <a:xfrm>
             <a:off x="594000" y="1832400"/>
-            <a:ext cx="10717920" cy="4563360"/>
+            <a:ext cx="10717560" cy="4563000"/>
           </a:xfrm>
           <a:prstGeom prst="rect">
             <a:avLst/>
